--- a/C Slides.pptx
+++ b/C Slides.pptx
@@ -6715,6 +6715,7 @@
             </a:r>
           </a:p>
           <a:p>
+            <a:pPr lvl="1"/>
             <a:r>
               <a:rPr lang="en-CA" dirty="0"/>
               <a:t>So, why not have a pointer that points to a function?</a:t>
@@ -6767,15 +6768,11 @@
             </a:r>
             <a:r>
               <a:rPr lang="en-CA" dirty="0"/>
-              <a:t> </a:t>
-            </a:r>
-            <a:r>
-              <a:rPr lang="en-CA"/>
-              <a:t>as arguments</a:t>
-            </a:r>
-            <a:endParaRPr lang="en-CA" dirty="0"/>
-          </a:p>
-          <a:p>
+              <a:t> as arguments</a:t>
+            </a:r>
+          </a:p>
+          <a:p>
+            <a:pPr lvl="1"/>
             <a:r>
               <a:rPr lang="en-CA" dirty="0"/>
               <a:t>Brackets around *</a:t>
@@ -6828,6 +6825,7 @@
             </a:r>
           </a:p>
           <a:p>
+            <a:pPr lvl="1"/>
             <a:r>
               <a:rPr lang="en-CA" dirty="0"/>
               <a:t>Now can do </a:t>
@@ -6989,13 +6987,8 @@
             <a:pPr lvl="1"/>
             <a:r>
               <a:rPr lang="en-CA" dirty="0"/>
-              <a:t>Make a struct </a:t>
-            </a:r>
-            <a:r>
-              <a:rPr lang="en-CA" dirty="0" err="1"/>
-              <a:t>varable</a:t>
-            </a:r>
-            <a:endParaRPr lang="en-CA" dirty="0"/>
+              <a:t>Make a struct variable</a:t>
+            </a:r>
           </a:p>
           <a:p>
             <a:pPr lvl="1"/>
@@ -7445,6 +7438,15 @@
             </a:r>
           </a:p>
           <a:p>
+            <a:pPr marL="0" indent="0">
+              <a:buNone/>
+            </a:pPr>
+            <a:r>
+              <a:rPr lang="en-CA" sz="1600" dirty="0"/>
+              <a:t>#define FIVE 5</a:t>
+            </a:r>
+          </a:p>
+          <a:p>
             <a:endParaRPr lang="en-CA" dirty="0"/>
           </a:p>
         </p:txBody>
@@ -7723,12 +7725,14 @@
             </a:r>
           </a:p>
           <a:p>
+            <a:pPr lvl="1"/>
             <a:r>
               <a:rPr lang="en-CA" dirty="0"/>
               <a:t>Declare types, functions in header files (.h)</a:t>
             </a:r>
           </a:p>
           <a:p>
+            <a:pPr lvl="1"/>
             <a:r>
               <a:rPr lang="en-CA" dirty="0"/>
               <a:t>Define functions in source files (.c)</a:t>
@@ -7899,7 +7903,7 @@
             <a:pPr lvl="1"/>
             <a:r>
               <a:rPr lang="en-CA" dirty="0"/>
-              <a:t>Changing actual memory contents will always hold</a:t>
+              <a:t>Changing actual memory contents will always be kept in the program</a:t>
             </a:r>
           </a:p>
           <a:p>
@@ -8722,6 +8726,7 @@
             </a:r>
           </a:p>
           <a:p>
+            <a:pPr lvl="1"/>
             <a:r>
               <a:rPr lang="en-CA" dirty="0"/>
               <a:t>The variable ‘</a:t>
